--- a/Restaurant Rating Model.pptx
+++ b/Restaurant Rating Model.pptx
@@ -122,7 +122,7 @@
 <file path=ppt/revisionInfo.xml><?xml version="1.0" encoding="utf-8"?>
 <p1510:revInfo xmlns:a="http://schemas.openxmlformats.org/drawingml/2006/main" xmlns:r="http://schemas.openxmlformats.org/officeDocument/2006/relationships" xmlns:p1510="http://schemas.microsoft.com/office/powerpoint/2015/10/main">
   <p1510:revLst>
-    <p1510:client id="{4E9555EF-E87F-4DC3-B3A8-CEE6C05DE922}" v="9" dt="2021-02-09T19:05:34.210"/>
+    <p1510:client id="{36C3EC36-57CF-46CB-A962-DDE258C51D16}" v="13" dt="2021-02-12T20:48:30.328"/>
   </p1510:revLst>
 </p1510:revInfo>
 </file>
@@ -131,8 +131,8 @@
 <pc:chgInfo xmlns:a="http://schemas.openxmlformats.org/drawingml/2006/main" xmlns:r="http://schemas.openxmlformats.org/officeDocument/2006/relationships" xmlns:ac="http://schemas.microsoft.com/office/drawing/2013/main/command" xmlns:pc="http://schemas.microsoft.com/office/powerpoint/2013/main/command">
   <pc:docChgLst>
     <pc:chgData name="akanksha kukhraniya" userId="04ef1709585a0a8e" providerId="LiveId" clId="{36C3EC36-57CF-46CB-A962-DDE258C51D16}"/>
-    <pc:docChg chg="custSel modSld">
-      <pc:chgData name="akanksha kukhraniya" userId="04ef1709585a0a8e" providerId="LiveId" clId="{36C3EC36-57CF-46CB-A962-DDE258C51D16}" dt="2021-02-09T23:54:42.563" v="29" actId="26606"/>
+    <pc:docChg chg="undo custSel addSld delSld modSld sldOrd">
+      <pc:chgData name="akanksha kukhraniya" userId="04ef1709585a0a8e" providerId="LiveId" clId="{36C3EC36-57CF-46CB-A962-DDE258C51D16}" dt="2021-02-12T21:05:37.235" v="122"/>
       <pc:docMkLst>
         <pc:docMk/>
       </pc:docMkLst>
@@ -148,6 +148,37 @@
             <pc:docMk/>
             <pc:sldMk cId="895915843" sldId="266"/>
             <ac:spMk id="3" creationId="{255E1F2F-E259-4EA8-9FFD-3A10AF541859}"/>
+          </ac:spMkLst>
+        </pc:spChg>
+      </pc:sldChg>
+      <pc:sldChg chg="modSp mod">
+        <pc:chgData name="akanksha kukhraniya" userId="04ef1709585a0a8e" providerId="LiveId" clId="{36C3EC36-57CF-46CB-A962-DDE258C51D16}" dt="2021-02-12T20:01:26.153" v="86" actId="14100"/>
+        <pc:sldMkLst>
+          <pc:docMk/>
+          <pc:sldMk cId="2091768197" sldId="309"/>
+        </pc:sldMkLst>
+        <pc:spChg chg="mod">
+          <ac:chgData name="akanksha kukhraniya" userId="04ef1709585a0a8e" providerId="LiveId" clId="{36C3EC36-57CF-46CB-A962-DDE258C51D16}" dt="2021-02-12T20:00:35.609" v="83" actId="113"/>
+          <ac:spMkLst>
+            <pc:docMk/>
+            <pc:sldMk cId="2091768197" sldId="309"/>
+            <ac:spMk id="3" creationId="{FC0D054D-3D1A-4305-BC9C-CDB70DA148EE}"/>
+          </ac:spMkLst>
+        </pc:spChg>
+        <pc:spChg chg="mod">
+          <ac:chgData name="akanksha kukhraniya" userId="04ef1709585a0a8e" providerId="LiveId" clId="{36C3EC36-57CF-46CB-A962-DDE258C51D16}" dt="2021-02-12T20:01:26.153" v="86" actId="14100"/>
+          <ac:spMkLst>
+            <pc:docMk/>
+            <pc:sldMk cId="2091768197" sldId="309"/>
+            <ac:spMk id="4" creationId="{172EDB6C-B147-443B-82D9-AF098155FC5A}"/>
+          </ac:spMkLst>
+        </pc:spChg>
+        <pc:spChg chg="mod">
+          <ac:chgData name="akanksha kukhraniya" userId="04ef1709585a0a8e" providerId="LiveId" clId="{36C3EC36-57CF-46CB-A962-DDE258C51D16}" dt="2021-02-12T20:00:56.131" v="84" actId="113"/>
+          <ac:spMkLst>
+            <pc:docMk/>
+            <pc:sldMk cId="2091768197" sldId="309"/>
+            <ac:spMk id="5" creationId="{3D01346C-47A9-471C-B94D-7EA14D518DF9}"/>
           </ac:spMkLst>
         </pc:spChg>
       </pc:sldChg>
@@ -238,8 +269,8 @@
           </ac:cxnSpMkLst>
         </pc:cxnChg>
       </pc:sldChg>
-      <pc:sldChg chg="addSp delSp modSp mod setBg">
-        <pc:chgData name="akanksha kukhraniya" userId="04ef1709585a0a8e" providerId="LiveId" clId="{36C3EC36-57CF-46CB-A962-DDE258C51D16}" dt="2021-02-09T23:54:42.563" v="29" actId="26606"/>
+      <pc:sldChg chg="addSp delSp modSp mod ord setBg">
+        <pc:chgData name="akanksha kukhraniya" userId="04ef1709585a0a8e" providerId="LiveId" clId="{36C3EC36-57CF-46CB-A962-DDE258C51D16}" dt="2021-02-12T21:05:37.235" v="122"/>
         <pc:sldMkLst>
           <pc:docMk/>
           <pc:sldMk cId="3191061982" sldId="316"/>
@@ -309,12 +340,117 @@
           </ac:cxnSpMkLst>
         </pc:cxnChg>
       </pc:sldChg>
+      <pc:sldChg chg="addSp delSp modSp new del mod">
+        <pc:chgData name="akanksha kukhraniya" userId="04ef1709585a0a8e" providerId="LiveId" clId="{36C3EC36-57CF-46CB-A962-DDE258C51D16}" dt="2021-02-12T20:49:34.227" v="118" actId="2696"/>
+        <pc:sldMkLst>
+          <pc:docMk/>
+          <pc:sldMk cId="21225366" sldId="317"/>
+        </pc:sldMkLst>
+        <pc:spChg chg="add del mod">
+          <ac:chgData name="akanksha kukhraniya" userId="04ef1709585a0a8e" providerId="LiveId" clId="{36C3EC36-57CF-46CB-A962-DDE258C51D16}" dt="2021-02-12T20:44:09.824" v="94" actId="3680"/>
+          <ac:spMkLst>
+            <pc:docMk/>
+            <pc:sldMk cId="21225366" sldId="317"/>
+            <ac:spMk id="3" creationId="{55C726A2-E430-4202-A32D-690135FDADE0}"/>
+          </ac:spMkLst>
+        </pc:spChg>
+        <pc:graphicFrameChg chg="add del mod ord modGraphic">
+          <ac:chgData name="akanksha kukhraniya" userId="04ef1709585a0a8e" providerId="LiveId" clId="{36C3EC36-57CF-46CB-A962-DDE258C51D16}" dt="2021-02-12T20:43:58.321" v="93" actId="3680"/>
+          <ac:graphicFrameMkLst>
+            <pc:docMk/>
+            <pc:sldMk cId="21225366" sldId="317"/>
+            <ac:graphicFrameMk id="4" creationId="{57CA4701-AA2E-45A9-A689-EE97BA16C506}"/>
+          </ac:graphicFrameMkLst>
+        </pc:graphicFrameChg>
+        <pc:graphicFrameChg chg="add mod ord modGraphic">
+          <ac:chgData name="akanksha kukhraniya" userId="04ef1709585a0a8e" providerId="LiveId" clId="{36C3EC36-57CF-46CB-A962-DDE258C51D16}" dt="2021-02-12T20:48:57.070" v="117" actId="2161"/>
+          <ac:graphicFrameMkLst>
+            <pc:docMk/>
+            <pc:sldMk cId="21225366" sldId="317"/>
+            <ac:graphicFrameMk id="5" creationId="{7F93723E-D85F-40AF-8A01-4F26185478AD}"/>
+          </ac:graphicFrameMkLst>
+        </pc:graphicFrameChg>
+        <pc:graphicFrameChg chg="add del mod">
+          <ac:chgData name="akanksha kukhraniya" userId="04ef1709585a0a8e" providerId="LiveId" clId="{36C3EC36-57CF-46CB-A962-DDE258C51D16}" dt="2021-02-12T20:46:43.218" v="109"/>
+          <ac:graphicFrameMkLst>
+            <pc:docMk/>
+            <pc:sldMk cId="21225366" sldId="317"/>
+            <ac:graphicFrameMk id="6" creationId="{83A80F91-C53E-42FF-9753-3554F8C9511D}"/>
+          </ac:graphicFrameMkLst>
+        </pc:graphicFrameChg>
+        <pc:graphicFrameChg chg="add mod">
+          <ac:chgData name="akanksha kukhraniya" userId="04ef1709585a0a8e" providerId="LiveId" clId="{36C3EC36-57CF-46CB-A962-DDE258C51D16}" dt="2021-02-12T20:48:23.151" v="113" actId="572"/>
+          <ac:graphicFrameMkLst>
+            <pc:docMk/>
+            <pc:sldMk cId="21225366" sldId="317"/>
+            <ac:graphicFrameMk id="7" creationId="{486E98E3-25AF-4C1E-9B35-CFD25A49CBAD}"/>
+          </ac:graphicFrameMkLst>
+        </pc:graphicFrameChg>
+        <pc:graphicFrameChg chg="add del mod">
+          <ac:chgData name="akanksha kukhraniya" userId="04ef1709585a0a8e" providerId="LiveId" clId="{36C3EC36-57CF-46CB-A962-DDE258C51D16}" dt="2021-02-12T20:48:30.328" v="115"/>
+          <ac:graphicFrameMkLst>
+            <pc:docMk/>
+            <pc:sldMk cId="21225366" sldId="317"/>
+            <ac:graphicFrameMk id="8" creationId="{E91DB974-FB5D-40A0-8B2C-9CD82C696BB5}"/>
+          </ac:graphicFrameMkLst>
+        </pc:graphicFrameChg>
+      </pc:sldChg>
+      <pc:sldChg chg="modSp new mod ord">
+        <pc:chgData name="akanksha kukhraniya" userId="04ef1709585a0a8e" providerId="LiveId" clId="{36C3EC36-57CF-46CB-A962-DDE258C51D16}" dt="2021-02-11T02:39:46.728" v="47" actId="20577"/>
+        <pc:sldMkLst>
+          <pc:docMk/>
+          <pc:sldMk cId="759196132" sldId="317"/>
+        </pc:sldMkLst>
+        <pc:spChg chg="mod">
+          <ac:chgData name="akanksha kukhraniya" userId="04ef1709585a0a8e" providerId="LiveId" clId="{36C3EC36-57CF-46CB-A962-DDE258C51D16}" dt="2021-02-11T02:39:46.728" v="47" actId="20577"/>
+          <ac:spMkLst>
+            <pc:docMk/>
+            <pc:sldMk cId="759196132" sldId="317"/>
+            <ac:spMk id="2" creationId="{66D29367-3D3E-4F91-8D9C-7E5CE8B3D182}"/>
+          </ac:spMkLst>
+        </pc:spChg>
+      </pc:sldChg>
+      <pc:sldChg chg="new del">
+        <pc:chgData name="akanksha kukhraniya" userId="04ef1709585a0a8e" providerId="LiveId" clId="{36C3EC36-57CF-46CB-A962-DDE258C51D16}" dt="2021-02-12T20:42:30.659" v="88" actId="2696"/>
+        <pc:sldMkLst>
+          <pc:docMk/>
+          <pc:sldMk cId="2498536864" sldId="317"/>
+        </pc:sldMkLst>
+      </pc:sldChg>
     </pc:docChg>
   </pc:docChgLst>
 </pc:chgInfo>
 </file>
 
 <file path=ppt/ink/ink1.xml><?xml version="1.0" encoding="utf-8"?>
+<inkml:ink xmlns:inkml="http://www.w3.org/2003/InkML">
+  <inkml:definitions>
+    <inkml:context xml:id="ctx0">
+      <inkml:inkSource xml:id="inkSrc0">
+        <inkml:traceFormat>
+          <inkml:channel name="X" type="integer" min="-2.14748E9" max="2.14748E9" units="cm"/>
+          <inkml:channel name="Y" type="integer" min="-2.14748E9" max="2.14748E9" units="cm"/>
+          <inkml:channel name="F" type="integer" max="32767" units="dev"/>
+        </inkml:traceFormat>
+        <inkml:channelProperties>
+          <inkml:channelProperty channel="X" name="resolution" value="1000" units="1/cm"/>
+          <inkml:channelProperty channel="Y" name="resolution" value="1000" units="1/cm"/>
+          <inkml:channelProperty channel="F" name="resolution" value="0" units="1/dev"/>
+        </inkml:channelProperties>
+      </inkml:inkSource>
+      <inkml:timestamp xml:id="ts0" timeString="2021-02-11T02:54:29.644"/>
+    </inkml:context>
+    <inkml:brush xml:id="br0">
+      <inkml:brushProperty name="width" value="0.05" units="cm"/>
+      <inkml:brushProperty name="height" value="0.05" units="cm"/>
+      <inkml:brushProperty name="color" value="#E71224"/>
+    </inkml:brush>
+  </inkml:definitions>
+  <inkml:trace contextRef="#ctx0" brushRef="#br0">38 0 3320,'0'0'6969,"-3"4"-6524,-4 8-291,-2 7 346,0 37 1290,10-45-1496,0-6-104,-1-3-85,-3 0-144,1 38 855,-1 4-329,2-33-347,0 0 0,1 0 0,0 0 0,0 0 0,4 19 1,-5 4-2,0-31-133,1-2 4,-1 0 0,1 0 0,-1 0-1,1 0 1,0 0 0,-1 0 0,1 0 0,0 1 0,0-1 0,0 0 0,0 0 0,0 0 0,0 0 0,0 0-1,0 1 1,0-1 0,1 0 0,-1 0 0,0 0 0,1 0 0,-1 0 0,1 0 0,0 2 0,1 5 20,0 84 507,3-30-292,-5-59-228,0 0-1,0 0 0,0 0 0,1 1 0,-1-1 0,1 0 0,0 0 0,2 5 0,4 21 79,-4-3-13,-2-21-66,0 0-1,-1 0 1,1 0 0,-1 0 0,0 0 0,-1 0 0,1-1 0,-1 1 0,-2 9-1,2-13-6,1 1-1,0-1 0,-1 1 0,1 0 0,0-1 1,0 1-1,0-1 0,0 1 0,1 0 0,-1-1 0,0 1 1,0-1-1,1 1 0,-1-1 0,1 1 0,0-1 1,1 3-1,5 21 67,-6 1-7,0-16-48,0 1 0,-1-1-1,0 0 1,-1 1-1,0-1 1,-4 15-1,4-17 9,-1 0-1,1 0 1,1 0-1,0 0 0,1 8 1,-2 26 78,0-37-95,-2 9 23,1 0 0,1 0 0,0 0 0,0 0 0,2 0 0,3 26 0,2 51 154,-5-84-172,0 0 0,0 0 0,-1 0 0,0 0 0,-1 11 0,0 25 38,4 59 64,-2-96-110,-1 0-1,1 0 0,-1 0 0,-1 0 0,1 0 1,-2 8-1,0-8-1,1 0 0,1 0 0,-1 1 0,1-1 1,0 0-1,2 11 0,-1-10-1,0 0-1,0 0 1,-1 1 0,0-1 0,-1 0 0,-1 10 0,1-9 0,0 0-1,0 0 1,1 0 0,0 0 0,1 9-1,0-13-1,-1 1 0,0-1 0,0 0 0,0 0-1,-1 1 1,0-1 0,-1 5 0,1-6-2,0-1 1,1 1-1,-1 0 1,1 0-1,-1 0 1,1 0-1,0 0 1,0-1-1,0 1 1,1 0-1,-1 0 1,1 0 0,-1 0-1,1-1 1,1 4-1,0-1 2,0 0 0,-1 1 0,0-1-1,0 0 1,0 1 0,-1-1 0,1 1 0,-2-1-1,1 7 1,1 29 10,-2 7 10,0-42-20,0 0 1,0 0-1,1 0 0,0 0 0,0 0 0,1 0 0,1 8 0,-1-5 4,1 1-1,-2-1 1,1 1-1,-1-1 0,-2 15 1,1 27 12,-3 16 10,2-57-24,1 0 0,0 1 0,1-1 0,0 0 0,1 1 0,2 14 0,3 44 26,-6-57-24,1 0-1,0 0 0,1 0 0,4 19 0,-4-25-1,-1 1-1,0-1 0,-1 1 1,0-1-1,0 1 1,0-1-1,-2 12 0,1-10 0,0 0 0,0-1-1,1 1 1,0 0 0,2 7 0,0 4 15,-1 1 0,-2 35 0,0-15 2,1-1 7,-10 75-1,9-105-24,1 0 0,0 1 0,0-1 0,1 1 0,0-1 0,4 14 0,3 36 9,6 76 36,-13-123-43,0 0-1,0 0 1,1 0-1,5 15 0,-4-17-1,0 1 0,-1 0 0,-1 0 0,0-1 0,0 20 0,-3 10 16,2 1 0,9 71-1,25 138 32,-27-182-46,-4-31 0,12 54 0,-13-77-3,0-1 1,-1 0 0,0 18 0,4 35-1,20 46 7,-19-94-6,-2 0 0,0 0 0,-1 0 0,0 19 0,-1-16 0,0 0 0,9 32 0,-10-48-1,0 0 0,0 0 0,-1-1 0,0 1 0,0 0 0,0 0 0,-1 4 1,2 31 5,1 5 0,-2-38-6,0-1 0,0 0 0,1 1 0,-1-1 0,1 0 0,1 0 0,-1 0 0,3 7 0,-3-10 0,0 1 0,0 0 1,0 0-1,-1 0 0,1 0 1,-1 0-1,0 0 1,0 0-1,-2 6 0,2-6 1,-1 0-1,1 1 1,0-1-1,0 0 1,1 1-1,-1-1 1,2 7-1,4 21 14,-5-24-6,0 1 1,0-1 0,1 0-1,0 0 1,4 10-1,-3-8 3,-6 1-1,5 0 2,3 25 20,-4-29-25,-5-5-13,0 33 138,3-35-126,-8 1-6,9-1-5,0 0-1,0 0 1,0 0-1,0 0 0,-1 0 1,1 0-1,0 0 1,0 0-1,0 0 1,0-1-1,0 1 0,-1 0 1,1 0-1,0 0 1,0 0-1,0 0 0,0 0 1,0 0-1,0 0 1,0-1-1,-1 1 1,1 0-1,0 0 0,0 0 1,0 0-1,0 0 1,0-1-1,0 1 1,0 0-1,0 0 0,0 0 1,0 0-1,0 0 1,0-1-1,0 1 0,0 0 1,0 0-1,0 0 1,0 0-1,0-1 1,0 1-1,0 0 0,0 0 1,0 0-1,0 0 1,0 0-1,0-1 0,0 1 1,0 0-1,1 0 1,-1 0-1,0 0 1,0 0-1,0 0 0,0 0 1,0-1-1,0 1 1,0 0-1,1 0 0,-1 0 1,0 0-1,0 0 1,0 0-1,0 0 1,0 0-1,1 0 0,7-9-2137,9-7-10104</inkml:trace>
+</inkml:ink>
+</file>
+
+<file path=ppt/ink/ink10.xml><?xml version="1.0" encoding="utf-8"?>
 <inkml:ink xmlns:inkml="http://www.w3.org/2003/InkML">
   <inkml:definitions>
     <inkml:context xml:id="ctx0">
@@ -340,6 +476,230 @@
     </inkml:brush>
   </inkml:definitions>
   <inkml:trace contextRef="#ctx0" brushRef="#br0">1 20,'143'-2,"158"5,-188 15,-74-11,66 5,147 17,-210-22,34 10,-52-11,0-1,37 4,161-9,34 1,-142 16,-74-9,64 3,353-10,-215-3,-208 0,-1-2,0-1,0-1,39-14,-38 10,0 1,0 2,62-5,-27 7,132-27,-136 19,0 3,89-4,28 18,152-7,-269-6,-48 5,0 2,0 0,1 1,32 2,185 16,246-14,-240-5,5243 2,-5453 0</inkml:trace>
+</inkml:ink>
+</file>
+
+<file path=ppt/ink/ink2.xml><?xml version="1.0" encoding="utf-8"?>
+<inkml:ink xmlns:inkml="http://www.w3.org/2003/InkML">
+  <inkml:definitions>
+    <inkml:context xml:id="ctx0">
+      <inkml:inkSource xml:id="inkSrc0">
+        <inkml:traceFormat>
+          <inkml:channel name="X" type="integer" min="-2.14748E9" max="2.14748E9" units="cm"/>
+          <inkml:channel name="Y" type="integer" min="-2.14748E9" max="2.14748E9" units="cm"/>
+          <inkml:channel name="F" type="integer" max="32767" units="dev"/>
+        </inkml:traceFormat>
+        <inkml:channelProperties>
+          <inkml:channelProperty channel="X" name="resolution" value="1000" units="1/cm"/>
+          <inkml:channelProperty channel="Y" name="resolution" value="1000" units="1/cm"/>
+          <inkml:channelProperty channel="F" name="resolution" value="0" units="1/dev"/>
+        </inkml:channelProperties>
+      </inkml:inkSource>
+      <inkml:timestamp xml:id="ts0" timeString="2021-02-11T02:54:32.264"/>
+    </inkml:context>
+    <inkml:brush xml:id="br0">
+      <inkml:brushProperty name="width" value="0.05" units="cm"/>
+      <inkml:brushProperty name="height" value="0.05" units="cm"/>
+      <inkml:brushProperty name="color" value="#E71224"/>
+    </inkml:brush>
+  </inkml:definitions>
+  <inkml:trace contextRef="#ctx0" brushRef="#br0">72 1 4488,'-3'5'640,"-1"2"-301,2-1-453,-11 45 2670,-4 8 1424,14-48-3527,3 27 789,1-33-1194,-1 0 1,1 0-1,-1-1 0,-1 1 1,1 0-1,-1 0 0,1 0 1,-2-1-1,-1 9 1,-4 44 687,2-5-452,-3 13 173,6-56-398,1 1 0,0 0 1,1 0-1,0 0 0,0 0 0,1-1 1,0 1-1,4 13 0,-5-22-51,1 1 0,-1 0 0,1 0 0,-1 0 0,0-1 1,0 1-1,0 0 0,0 0 0,0 0 0,0 0 0,0-1 0,-1 1 0,1 0 0,-1 0 0,0 2 0,0 0 1,0-3 2,1 0 0,-1 0 1,1 0-1,0 1 1,0-1-1,-1 0 1,1 0-1,0 1 1,0-1-1,0 0 1,0 0-1,1 1 1,-1-1-1,0 0 1,1 2-1,6 3 11,-6-6-1,1 4-4,-1 0 0,1 0 0,-1 0 1,0 1-1,-1-1 0,1 0 0,-1 0 0,0 9 0,1 4 2,-2 14 52,1-27-58,-1 0-1,1 0 1,0 0 0,0 0 0,0 1 0,0-1 0,1 0-1,0 0 1,1 5 0,1 0 10,0 0 1,-1 1-1,0-1 0,-1 1 0,0-1 0,-1 1 0,-1 14 1,1-13-4,0 1 1,0-1 0,1 0-1,1 0 1,3 16-1,-3-17-2,0 0-1,-1 0 0,0 0 0,-1 1 0,0-1 0,-1 0 0,-2 11 1,2-13-3,-1 0 0,2 0 1,-1 0-1,1 0 0,0 0 1,1 0-1,0 0 0,0 0 1,0 0-1,1 0 0,4 10 1,-5-17-12,0 1 0,0-1 0,0 1 1,0 0-1,-1-1 0,1 1 0,-1 0 1,1 0-1,-1-1 0,0 1 0,1 0 0,-1 3 1,6 39 140,11 97 193,2-14 19,-3-16-82,-15-109-262,-1 1-1,1-1 1,-1 1-1,1-1 1,-1 1-1,0-1 0,0 1 1,0-1-1,0 1 1,0-1-1,0 1 1,-1-1-1,0 3 1,-1 6 6,6 95 225,-9-58-100,-1 24 9,-7 92-22,4-70-90,10-37-18,0-43-16,-1-1 0,0 0 0,-1 1 0,-2 14-1,0-15 5,1 0-1,0-1 1,1 1-1,0 0 1,1 0-1,2 16 1,0 19 26,7 60 3,-9-19-4,2-67-29,-2 0 0,0-1 0,-4 23 0,3-34-3,1-1-1,0 1 1,0-1-1,1 1 1,2 9-1,1 24 11,-3-26-8,0 0 1,2 0 0,4 19 0,-3-22-2,-1 0 1,-1 0-1,-1 1 1,0-1-1,0 16 1,3 40 12,1-23 0,-3 3 1,8 119 31,-9-153-43,-1 0-1,-3 28 1,0 3 8,9 32 10,-5-70-20,-2 1 1,1-1-1,-1 1 0,-3 11 1,-3 31 11,7 58 39,-6-60-24,1 18 1,3-23-6,1-31-10,0-1 1,1 1 0,1-1-1,2 20 1,-2 23 62,4-45-48,3-2 3,-7-8-34,0-1 1,-1 1 0,1-1 0,0 1-1,-1 0 1,1-1 0,-1 1 0,1 0-1,-1 0 1,1-1 0,-1 1 0,0 0-1,1 0 1,-1 0 0,0-1 0,0 1-1,0 0 1,1 0 0,-1 0 0,0 0-1,0 0 1,0-1 0,0 1 0,0 0-1,-1 0 1,1 0 0,0 0 0,0 0-1,-1-1 1,1 1 0,0 0 0,-1 0-1,0 1 1,0-1 4,-1 3-1,9 28 53,-2-21-29,-4-9 38,0 0-46,2 4-4,-2-4-1,-1 0 2,0 3 4,1-1 2,4 2 0,-5-2 0,-3 1 0,14 37 156,-7-34-167,-4-7-11,1-1 0,0 1 0,-1 0 0,1 0 0,-1 0 0,0 0-1,1 0 1,-1 0 0,0 0 0,0 0 0,1 0 0,-1 0 0,0 0-1,0 0 1,0 0 0,0 0 0,0 0 0,0 0 0,-1 0 0,1 1-1,-3 7 31,7 32 60,-3-28-77,0-11-7,-1 1 0,0-1-1,1 1 1,-1-1 0,0 1 0,0 0-1,-1-1 1,1 1 0,0-1 0,-1 1 0,-1 3-1,1-5 17,15 29 124,-12-25-126,-1 1-6,0-1-1,0 0 1,0 1 0,0 0 0,-1-1 0,0 10-1,0-12 0,2 3-4,-1-3 2,2 4-2,7 15 4,-2 1 1,0-1-1,-2 1 1,5 30-1,-11-19 42,0-31-41,-3 2 0,2-1 2,1 2 4,-4 9 338,-29-34-334,22 7-74,9 9-129,0 1 0,1 0 0,-1 0 0,0 1 0,0-1 0,-1 0 0,1 0 0,0 1 0,-1 0 0,1-1 0,-1 1 0,1 0 0,-1 0 0,-3-1 0</inkml:trace>
+</inkml:ink>
+</file>
+
+<file path=ppt/ink/ink3.xml><?xml version="1.0" encoding="utf-8"?>
+<inkml:ink xmlns:inkml="http://www.w3.org/2003/InkML">
+  <inkml:definitions>
+    <inkml:context xml:id="ctx0">
+      <inkml:inkSource xml:id="inkSrc0">
+        <inkml:traceFormat>
+          <inkml:channel name="X" type="integer" min="-2.14748E9" max="2.14748E9" units="cm"/>
+          <inkml:channel name="Y" type="integer" min="-2.14748E9" max="2.14748E9" units="cm"/>
+          <inkml:channel name="F" type="integer" max="32767" units="dev"/>
+        </inkml:traceFormat>
+        <inkml:channelProperties>
+          <inkml:channelProperty channel="X" name="resolution" value="1000" units="1/cm"/>
+          <inkml:channelProperty channel="Y" name="resolution" value="1000" units="1/cm"/>
+          <inkml:channelProperty channel="F" name="resolution" value="0" units="1/dev"/>
+        </inkml:channelProperties>
+      </inkml:inkSource>
+      <inkml:timestamp xml:id="ts0" timeString="2021-02-11T02:54:35.081"/>
+    </inkml:context>
+    <inkml:brush xml:id="br0">
+      <inkml:brushProperty name="width" value="0.05" units="cm"/>
+      <inkml:brushProperty name="height" value="0.05" units="cm"/>
+      <inkml:brushProperty name="color" value="#E71224"/>
+    </inkml:brush>
+  </inkml:definitions>
+  <inkml:trace contextRef="#ctx0" brushRef="#br0">33 1 7264,'0'0'6737,"-2"4"-6497,-10 15 3,8-6-15,0-1 1,2-6-165,0-1 0,1 0 0,0 1 0,0-1 0,1 1 0,-1-1-1,1 1 1,0-1 0,1 7 0,-1 19 84,-1-29-129,1-1 1,-1 1 0,1 0 0,0-1-1,-1 1 1,1 0 0,0-1 0,0 1-1,0 0 1,0-1 0,0 1 0,0 0-1,0-1 1,1 1 0,-1-1 0,1 1 0,-1 0-1,1-1 1,0 1 0,0 1 0,3 5 26,6 28 145,-8-30-153,0 0-1,0 0 1,0 0 0,-1 0-1,0 0 1,-1 0 0,1 0-1,-1 0 1,-1 9 0,4 59 611,-4-59-579,1 0 1,0 0-1,0 0 0,4 16 0,-1-13 21,-2-1 0,-1 31 0,0-26-44,1 0 1,1 0-1,0 0 0,2 0 0,6 22 0,-3-15 62,6 57 0,-1 38 115,7 58 66,-17-161-254,0-1 0,-2 33 0,-1-25 31,2 0 0,6 47 0,-2-47-13,-3-18-33,0 1 1,0-1-1,-1 1 1,0 0-1,-2 20 1,-3 35 142,6-14-68,-1-45-83,0-1 0,0 1 0,-1 0 0,0-1 0,0 1 0,-1-1 0,0 1 0,-3 12 0,2-13 0,0 1-1,1 0 0,0 0 1,0 0-1,1 1 1,0 9-1,-3 27 26,1-23-9,0 0 1,3 33-1,-3 30 59,-6-50-32,1 13-2,1-14-25,4-26-21,0 0-1,1 1 0,-1-1 0,2 0 1,-1 10-1,4 192 109,-6-182-103,2-21-10,1 1 0,-1-1 0,1 0 0,0 0 0,0 0-1,1 1 1,2 8 0,0 3 6,-1 1-1,1 28 1,0 13 20,8 119 56,-6-74-12,-2 117 71,-8-93-86,6-64-33,0-46-10,-1 1 1,-3 31 0,1-24 1,1 1 1,4 49-1,1-3 4,-13-14-1,17 41 4,-6-79-12,-6-8-1,3-13-10,0 1 0,1 0 1,-1-1-1,1 1 0,0 0 0,0 0 1,-1-1-1,1 1 0,0 0 1,0 0-1,1 0 0,-1-1 0,0 1 1,0 0-1,2 2 0,2 21 16,-4-7-10,0 0 0,2 0 0,0 0 0,8 29 0,-2 6 9,-4-40-10,-3-8-6,10 70 56,-7-7-13,-2-56-30,-5 20 18,3-28-28,-1-1-1,1 1 0,0-1 0,0 1 0,0-1 0,0 1 0,1-1 1,-1 0-1,1 1 0,1 3 0,-1-6 9,-2 1 2,0 5-2,2 2 2,0-7-10,-1 0-1,0 0 1,0 1-1,-1-1 1,1 0-1,0 0 1,-1 1 0,1-1-1,-1 0 1,0 0-1,0 0 1,-1 2-1,8 47 32,-7-45-30,0-5-4,1 1 1,0-1-1,-1 0 1,1 1 0,0-1-1,0 0 1,0 1 0,0-1-1,0 0 1,0 0 0,1 1-1,-1-1 1,0 0-1,1 0 1,-1 1 0,1 0-1,-6 25 16,0-8-16,2 15 10,0-20-4,-2 21 2,4-24-8,-5-1 0,2-1 0,3 0 0,0 0 0,-5 1 0,2 0 0,-1 3 2,3-1 3,0 0-4,-3-2 1,0-1 3,1 1-2,1-1 2,1-1-2,-3 0 2,3 2-2,-5 26 42,4-27-33,2-7 41,1-2-50,0 0-1,0 0 0,0 0 0,0 0 1,0 0-1,0 1 0,-1-1 0,1 0 0,0 0 1,0 0-1,0 0 0,0 1 0,0-1 1,0 0-1,0 0 0,0 0 0,0 1 1,0-1-1,0 0 0,0 0 0,0 0 1,0 1-1,0-1 0,0 0 0,0 0 0,0 0 1,0 1-1,0-1 0,0 0 0,0 0 1,1 0-1,-1 0 0,0 1 0,0-1 1,0 0-1,0 0 0,0 0 0,0 0 1,1 0-1,-1 1 0,0-1 0,0 0 0,0 0 1,0 0-1,1 0 0,-1 0 0,0 0 1,0 0-1,0 0 0,1 0 0,-1 0 1,0 0-1,0 0 0,0 0 0,1 0 1,-1 0-1,0 0 0,0 0 0,0 0 1,1 0-1,-1 0 0,0 0 0,0 0 0,1 0 1,24-7-2662,6-2-10627</inkml:trace>
+</inkml:ink>
+</file>
+
+<file path=ppt/ink/ink4.xml><?xml version="1.0" encoding="utf-8"?>
+<inkml:ink xmlns:inkml="http://www.w3.org/2003/InkML">
+  <inkml:definitions>
+    <inkml:context xml:id="ctx0">
+      <inkml:inkSource xml:id="inkSrc0">
+        <inkml:traceFormat>
+          <inkml:channel name="X" type="integer" min="-2.14748E9" max="2.14748E9" units="cm"/>
+          <inkml:channel name="Y" type="integer" min="-2.14748E9" max="2.14748E9" units="cm"/>
+          <inkml:channel name="F" type="integer" max="32767" units="dev"/>
+        </inkml:traceFormat>
+        <inkml:channelProperties>
+          <inkml:channelProperty channel="X" name="resolution" value="1000" units="1/cm"/>
+          <inkml:channelProperty channel="Y" name="resolution" value="1000" units="1/cm"/>
+          <inkml:channelProperty channel="F" name="resolution" value="0" units="1/dev"/>
+        </inkml:channelProperties>
+      </inkml:inkSource>
+      <inkml:timestamp xml:id="ts0" timeString="2021-02-11T02:54:37.211"/>
+    </inkml:context>
+    <inkml:brush xml:id="br0">
+      <inkml:brushProperty name="width" value="0.05" units="cm"/>
+      <inkml:brushProperty name="height" value="0.05" units="cm"/>
+      <inkml:brushProperty name="color" value="#E71224"/>
+    </inkml:brush>
+  </inkml:definitions>
+  <inkml:trace contextRef="#ctx0" brushRef="#br0">1 24 7176,'0'0'7968,"4"-1"-7751,13-2 0,-16 3-193,1-1-1,-1 1 1,1 0 0,0 0-1,-1 0 1,1 0-1,-1 0 1,1 0 0,-1 1-1,1-1 1,-1 0-1,1 1 1,-1-1 0,1 1-1,2 1 1,6 0 20,117 5 778,18-13 129,-54 12-423,-46 0-294,-6-10 40,30 9-62,-6-2 2,-12-1-86,-44-1-115,0 0 0,0 0 0,1-1 1,-1 0-1,0-1 0,0 1 1,0-1-1,8-3 0,-9 3 4,1 0 0,0 0 0,-1 0 0,1 0-1,0 1 1,7 1 0,21-1 66,-34 0-77,1 0 0,-1 0 0,0 0 0,1-1 0,-1 1 0,1 0-1,-1-1 1,0 1 0,1 0 0,-1-1 0,0 0 0,0 1-1,1-1 1,-1 0 0,0 1 0,0-1 0,2-2 0,5-1 4,3-1 19,3 0-5,35 3 114,7-3 5,-52 5-117,4-4 6,1 3 2,1 1 3,-1 0-4,1 0-3,-3 0-10,-5 0 1,29-1 114,-7 2 66,-22-1-78,-1 1-105,1-1-17,-1 1-1,1 0 0,-1 0 0,0-1 1,1 1-1,-1 0 0,0 0 0,0 1 1,0-1-1,0 0 0,0 0 0,0 0 1,0 1-1,0-1 0,1 3 0,6 7 0,23 17-2526,4 3-10107</inkml:trace>
+</inkml:ink>
+</file>
+
+<file path=ppt/ink/ink5.xml><?xml version="1.0" encoding="utf-8"?>
+<inkml:ink xmlns:inkml="http://www.w3.org/2003/InkML">
+  <inkml:definitions>
+    <inkml:context xml:id="ctx0">
+      <inkml:inkSource xml:id="inkSrc0">
+        <inkml:traceFormat>
+          <inkml:channel name="X" type="integer" min="-2.14748E9" max="2.14748E9" units="cm"/>
+          <inkml:channel name="Y" type="integer" min="-2.14748E9" max="2.14748E9" units="cm"/>
+          <inkml:channel name="F" type="integer" max="32767" units="dev"/>
+        </inkml:traceFormat>
+        <inkml:channelProperties>
+          <inkml:channelProperty channel="X" name="resolution" value="1000" units="1/cm"/>
+          <inkml:channelProperty channel="Y" name="resolution" value="1000" units="1/cm"/>
+          <inkml:channelProperty channel="F" name="resolution" value="0" units="1/dev"/>
+        </inkml:channelProperties>
+      </inkml:inkSource>
+      <inkml:timestamp xml:id="ts0" timeString="2021-02-11T02:54:38.807"/>
+    </inkml:context>
+    <inkml:brush xml:id="br0">
+      <inkml:brushProperty name="width" value="0.05" units="cm"/>
+      <inkml:brushProperty name="height" value="0.05" units="cm"/>
+      <inkml:brushProperty name="color" value="#E71224"/>
+    </inkml:brush>
+  </inkml:definitions>
+  <inkml:trace contextRef="#ctx0" brushRef="#br0">1 0 4576,'0'0'5840,"4"3"-5447,0 1-326,28 12 706,-22-13-581,-1-1 0,1 0 0,-1 0 0,1-1 0,0 0 0,-1-1 0,11 0 0,-11 0 128,105 2 1573,34 8-517,-1-2-633,-76 8-464,-54-12-188,0 0 0,0 0 0,30 1-1,-27-5 6,0 1-1,25 6 0,-13-4 39,1-1 0,39-2 0,-29-1-31,59 1 381,-57-17-4,-43 17-429,-1 0-38,0 0 0,-1-1 0,1 1 0,0 0 0,0 0 0,0 1 0,0-1 0,0 0 0,-1 0 0,1 0 0,0 0 0,0 1 0,0-1 0,-1 0 0,1 1 0,0-1 0,0 1 0,-1-1 0,1 1 0,0-1 0,-1 1 0,1-1-1,-1 1 1,1 0 0,-1-1 0,1 1 0,-1 0 0,1-1 0,-1 1 0,1 1 0,3 19-2479,1 1-9867</inkml:trace>
+</inkml:ink>
+</file>
+
+<file path=ppt/ink/ink6.xml><?xml version="1.0" encoding="utf-8"?>
+<inkml:ink xmlns:inkml="http://www.w3.org/2003/InkML">
+  <inkml:definitions>
+    <inkml:context xml:id="ctx0">
+      <inkml:inkSource xml:id="inkSrc0">
+        <inkml:traceFormat>
+          <inkml:channel name="X" type="integer" min="-2.14748E9" max="2.14748E9" units="cm"/>
+          <inkml:channel name="Y" type="integer" min="-2.14748E9" max="2.14748E9" units="cm"/>
+          <inkml:channel name="F" type="integer" max="32767" units="dev"/>
+        </inkml:traceFormat>
+        <inkml:channelProperties>
+          <inkml:channelProperty channel="X" name="resolution" value="1000" units="1/cm"/>
+          <inkml:channelProperty channel="Y" name="resolution" value="1000" units="1/cm"/>
+          <inkml:channelProperty channel="F" name="resolution" value="0" units="1/dev"/>
+        </inkml:channelProperties>
+      </inkml:inkSource>
+      <inkml:timestamp xml:id="ts0" timeString="2021-02-11T02:54:40.835"/>
+    </inkml:context>
+    <inkml:brush xml:id="br0">
+      <inkml:brushProperty name="width" value="0.05" units="cm"/>
+      <inkml:brushProperty name="height" value="0.05" units="cm"/>
+      <inkml:brushProperty name="color" value="#E71224"/>
+    </inkml:brush>
+  </inkml:definitions>
+  <inkml:trace contextRef="#ctx0" brushRef="#br0">0 110 6904,'0'0'4969,"4"-2"-4590,26-11 114,-20 8-80,-5-3-34,3 3-18,114-60 1457,-120 64-1637,0 0-137,0 1-1,0 0 1,0-1 0,0 1 0,0 0-1,0 0 1,0 0 0,0 0 0,0 1-1,3 0 1,59-11 561,-42 11-368,1 1 0,-1 1-1,26 7 1,15 2 312,27-7-53,-12 11-162,-49-8-230,1-2 1,0-2-1,0-1 0,0-1 0,31-2 0,-48 0-63,47 3 214,-1 1-96,-49-4-94,-9-1-58,0 0 1,0 0-1,0 1 0,0-1 1,0 1-1,0-1 0,0 1 0,0-1 1,0 1-1,0 0 0,0 0 1,0-1-1,1 1 0,-1 0 0,0 0 1,0 0-1,0 0 0,0 0 1,0 0-1,1 1 0,-1-1 1,0 0-1,0 0 0,0 1 0,0-1 1,2 2-1,-1-1 5,1 0-1,0 0 1,0 0-1,0 0 1,0 0-1,0-1 1,0 1-1,0-1 1,0 0 0,0 0-1,0 0 1,0 0-1,0 0 1,0-1-1,0 1 1,5-3-1,0 4 28,2 3-6,-4 0-2,21-2 70,27 3 225,-53-5-144,1 0-160,-1 1-21,0 0-1,0 0 1,0 0 0,0 0 0,0 0 0,0 0 0,0 1 0,-1-1 0,1 0 0,0 0 0,-1 1-1,1-1 1,-1 1 0,1-1 0,-1 0 0,0 1 0,0-1 0,0 1 0,0 1 0,2 4-1,2 4 7,1 0-1,0 0 1,0 0-1,1 0 1,1-1-1,12 16 1,16 5-2673,-7-11-10433</inkml:trace>
+</inkml:ink>
+</file>
+
+<file path=ppt/ink/ink7.xml><?xml version="1.0" encoding="utf-8"?>
+<inkml:ink xmlns:inkml="http://www.w3.org/2003/InkML">
+  <inkml:definitions>
+    <inkml:context xml:id="ctx0">
+      <inkml:inkSource xml:id="inkSrc0">
+        <inkml:traceFormat>
+          <inkml:channel name="X" type="integer" min="-2.14748E9" max="2.14748E9" units="cm"/>
+          <inkml:channel name="Y" type="integer" min="-2.14748E9" max="2.14748E9" units="cm"/>
+          <inkml:channel name="F" type="integer" max="32767" units="dev"/>
+        </inkml:traceFormat>
+        <inkml:channelProperties>
+          <inkml:channelProperty channel="X" name="resolution" value="1000" units="1/cm"/>
+          <inkml:channelProperty channel="Y" name="resolution" value="1000" units="1/cm"/>
+          <inkml:channelProperty channel="F" name="resolution" value="0" units="1/dev"/>
+        </inkml:channelProperties>
+      </inkml:inkSource>
+      <inkml:timestamp xml:id="ts0" timeString="2021-02-11T02:54:42.555"/>
+    </inkml:context>
+    <inkml:brush xml:id="br0">
+      <inkml:brushProperty name="width" value="0.05" units="cm"/>
+      <inkml:brushProperty name="height" value="0.05" units="cm"/>
+      <inkml:brushProperty name="color" value="#E71224"/>
+    </inkml:brush>
+  </inkml:definitions>
+  <inkml:trace contextRef="#ctx0" brushRef="#br0">1 19 7800,'4'-1'441,"12"-3"84,-22 9 2206,17-8-1269,-8 2-1314,0 0 0,0 0 0,0 0-1,0 1 1,1-1 0,-1 1 0,0-1 0,0 1-1,0 0 1,6 1 0,1-1 45,-5 1-142,-1-1 1,0 0-1,0 0 1,1-1-1,-1 1 1,0-1-1,0 0 1,0 0-1,0 0 1,0-1-1,6-2 1,30 7 505,-27-2-372,84 21 606,-15-16-383,64 30 348,-60-5-292,-40-23-170,-33-6-235,-1 1-1,0 0 0,21 9 1,14 3 161,-41-13-196,0-1-1,0 2 1,0-1-1,0 0 0,0 1 1,-1 0-1,10 7 1,-11-7-6,0-1 0,0 0 0,1 0 0,-1-1-1,0 1 1,0-1 0,1 0 0,-1 0 0,8 0 0,-7 0 4,-1 0 0,1-1 0,-1 1 0,1 1 0,-1-1 0,0 1 0,6 2-1,-7-3 61,52-6 339,-44 1-346,-2 7 17,-4 1-11,30-2 479,-34-2-319,1 0-162,5 0-4,-6 0 197,18 32-2908,-7-10-10617</inkml:trace>
+</inkml:ink>
+</file>
+
+<file path=ppt/ink/ink8.xml><?xml version="1.0" encoding="utf-8"?>
+<inkml:ink xmlns:inkml="http://www.w3.org/2003/InkML">
+  <inkml:definitions>
+    <inkml:context xml:id="ctx0">
+      <inkml:inkSource xml:id="inkSrc0">
+        <inkml:traceFormat>
+          <inkml:channel name="X" type="integer" min="-2.14748E9" max="2.14748E9" units="cm"/>
+          <inkml:channel name="Y" type="integer" min="-2.14748E9" max="2.14748E9" units="cm"/>
+          <inkml:channel name="F" type="integer" max="32767" units="dev"/>
+        </inkml:traceFormat>
+        <inkml:channelProperties>
+          <inkml:channelProperty channel="X" name="resolution" value="1000" units="1/cm"/>
+          <inkml:channelProperty channel="Y" name="resolution" value="1000" units="1/cm"/>
+          <inkml:channelProperty channel="F" name="resolution" value="0" units="1/dev"/>
+        </inkml:channelProperties>
+      </inkml:inkSource>
+      <inkml:timestamp xml:id="ts0" timeString="2021-02-11T02:54:44.183"/>
+    </inkml:context>
+    <inkml:brush xml:id="br0">
+      <inkml:brushProperty name="width" value="0.05" units="cm"/>
+      <inkml:brushProperty name="height" value="0.05" units="cm"/>
+      <inkml:brushProperty name="color" value="#E71224"/>
+    </inkml:brush>
+  </inkml:definitions>
+  <inkml:trace contextRef="#ctx0" brushRef="#br0">1 182 5384,'0'0'3224,"4"-2"-2071,20-6-477,1 1 0,0 1 1,0 1-1,1 2 0,46-1 0,-62 4-541,-1-1 0,1 1 0,0-2 0,0 1 0,14-5 0,-9-1 6,1 1 0,0 1 0,26-5 0,36-13 181,-71 21-288,0 0 0,0 1 1,0 0-1,0 0 0,0 1 0,0-1 0,0 2 0,13 1 0,24-2 101,57-11 145,171-30 393,-237 39-571,-30 2-86,0 0 0,0 0 0,-1 0-1,1-1 1,0 1 0,0-1 0,6-2 0,-3 1 27,1 0 0,-1 1 0,1 1-1,-1-1 1,15 2 0,5-1 0,52 0 180,-54 1-166,0-1 1,42-5 0,10-4 113,-41 6 15,-37 3-183,0 0 0,-1 0-1,1 0 1,0 0-1,0 1 1,0-1-1,-1 0 1,1 0-1,0 0 1,0 0-1,0 1 1,-1-1-1,1 0 1,0 0-1,0 0 1,0 1 0,0-1-1,0 0 1,0 0-1,-1 1 1,1-1-1,0 0 1,0 0-1,0 1 1,0-1-1,0 0 1,0 0-1,0 1 1,0-1 0,0 0-1,0 0 1,0 1-1,0-1 1,0 0-1,0 0 1,1 1-1,-1-1 1,0 0-1,0 0 1,0 0-1,0 1 1,0-1-1,0 0 1,1 0 0,-1 0-1,0 1 1,0-1-1,0 0 1,1 0-1,-1 0 1,0 0-1,0 1 1,0-1-1,1 0 1,-1 0-1,0 0 1,0 0-1,1 0 1,-1 0 0,0 0-1,0 0 1,1 0-1,-1 0 1,0 0-1,1 0 1,-15 15 45,11-12-142,0 0-1,0 0 1,1 1-1,-1-1 0,1 1 1,0 0-1,0-1 0,1 1 1,-1 0-1,1 0 1,-1 0-1,1 0 0,1 1 1,-1-1-1,0 8 1,0-7-614,-3 26-10398</inkml:trace>
+</inkml:ink>
+</file>
+
+<file path=ppt/ink/ink9.xml><?xml version="1.0" encoding="utf-8"?>
+<inkml:ink xmlns:inkml="http://www.w3.org/2003/InkML">
+  <inkml:definitions>
+    <inkml:context xml:id="ctx0">
+      <inkml:inkSource xml:id="inkSrc0">
+        <inkml:traceFormat>
+          <inkml:channel name="X" type="integer" min="-2.14748E9" max="2.14748E9" units="cm"/>
+          <inkml:channel name="Y" type="integer" min="-2.14748E9" max="2.14748E9" units="cm"/>
+          <inkml:channel name="F" type="integer" max="32767" units="dev"/>
+        </inkml:traceFormat>
+        <inkml:channelProperties>
+          <inkml:channelProperty channel="X" name="resolution" value="1000" units="1/cm"/>
+          <inkml:channelProperty channel="Y" name="resolution" value="1000" units="1/cm"/>
+          <inkml:channelProperty channel="F" name="resolution" value="0" units="1/dev"/>
+        </inkml:channelProperties>
+      </inkml:inkSource>
+      <inkml:timestamp xml:id="ts0" timeString="2021-02-11T02:54:45.634"/>
+    </inkml:context>
+    <inkml:brush xml:id="br0">
+      <inkml:brushProperty name="width" value="0.05" units="cm"/>
+      <inkml:brushProperty name="height" value="0.05" units="cm"/>
+      <inkml:brushProperty name="color" value="#E71224"/>
+    </inkml:brush>
+  </inkml:definitions>
+  <inkml:trace contextRef="#ctx0" brushRef="#br0">0 17 2336,'0'0'3129,"4"-2"-2104,7-1-417,-1 0 0,1 0 0,0 1 0,18-1 0,-23 3-600,8 0 357,1 0 0,-1 2-1,1 0 1,20 5-1,-23-4-237,-1 0 1,1-2-1,0 1 0,20-1 0,4 4 229,-32-4-301,0 0-1,0 0 1,0 0 0,0-1 0,0 1 0,0-1 0,8 0 0,112-11 1126,80-2-80,-162 12-995,51 2 320,-43 2-242,-23-1 34,1 0-1,32 8 0,-2-11 194,8 10-57,-44-3-261,0-2-1,24 3 1,-26-4-32,0 0-1,0 1 1,22 8-1,6-1 38,-33-7-14,-14 2 6,-1-5-85,1-1 0,-1 1 0,0 0 0,0-1 0,0 1 0,0-1 0,0 1 0,1-1 0,-1 1-1,0 0 1,1-1 0,-1 1 0,0-1 0,1 1 0,-1-1 0,1 1 0,-1-1 0,1 0-1,-1 1 1,1-1 0,-1 1 0,1-1 0,-1 0 0,1 0 0,-1 1 0,1-1 0,0 0-1,-1 0 1,1 0 0,-1 1 0,1-1 0,0 0 0,-1 0 0,2 0 0,23 12 167,-24-10-116,1-2-2,4 3-10,-5-2 164,-12-1-194,-8 0-2273</inkml:trace>
 </inkml:ink>
 </file>
 
@@ -587,7 +947,7 @@
           <a:p>
             <a:fld id="{9184DA70-C731-4C70-880D-CCD4705E623C}" type="datetime1">
               <a:rPr lang="en-US" smtClean="0"/>
-              <a:t>2/9/2021</a:t>
+              <a:t>2/12/2021</a:t>
             </a:fld>
             <a:endParaRPr lang="en-US" dirty="0"/>
           </a:p>
@@ -775,7 +1135,7 @@
           <a:p>
             <a:fld id="{4BE1D723-8F53-4F53-90B0-1982A396982E}" type="datetime1">
               <a:rPr lang="en-US" smtClean="0"/>
-              <a:t>2/9/2021</a:t>
+              <a:t>2/12/2021</a:t>
             </a:fld>
             <a:endParaRPr lang="en-US" dirty="0"/>
           </a:p>
@@ -1148,7 +1508,7 @@
           <a:p>
             <a:fld id="{97669AF7-7BEB-44E4-9852-375E34362B5B}" type="datetime1">
               <a:rPr lang="en-US" smtClean="0"/>
-              <a:t>2/9/2021</a:t>
+              <a:t>2/12/2021</a:t>
             </a:fld>
             <a:endParaRPr lang="en-US" dirty="0"/>
           </a:p>
@@ -1403,7 +1763,7 @@
           <a:p>
             <a:fld id="{BAAAC38D-0552-4C82-B593-E6124DFADBE2}" type="datetime1">
               <a:rPr lang="en-US" smtClean="0"/>
-              <a:t>2/9/2021</a:t>
+              <a:t>2/12/2021</a:t>
             </a:fld>
             <a:endParaRPr lang="en-US" dirty="0"/>
           </a:p>
@@ -1800,7 +2160,7 @@
           <a:p>
             <a:fld id="{D9DF0F1C-5577-4ACB-BB62-DF8F3C494C7E}" type="datetime1">
               <a:rPr lang="en-US" smtClean="0"/>
-              <a:t>2/9/2021</a:t>
+              <a:t>2/12/2021</a:t>
             </a:fld>
             <a:endParaRPr lang="en-US" dirty="0"/>
           </a:p>
@@ -1936,7 +2296,7 @@
           <a:p>
             <a:fld id="{1775B394-D9F9-4F0C-B15D-605F45CB9E9F}" type="datetime1">
               <a:rPr lang="en-US" smtClean="0"/>
-              <a:t>2/9/2021</a:t>
+              <a:t>2/12/2021</a:t>
             </a:fld>
             <a:endParaRPr lang="en-US" dirty="0"/>
           </a:p>
@@ -2093,7 +2453,7 @@
           <a:p>
             <a:fld id="{39667345-2558-425A-8533-9BFDBCE15005}" type="datetime1">
               <a:rPr lang="en-US" smtClean="0"/>
-              <a:t>2/9/2021</a:t>
+              <a:t>2/12/2021</a:t>
             </a:fld>
             <a:endParaRPr lang="en-US" dirty="0"/>
           </a:p>
@@ -2422,7 +2782,7 @@
           <a:p>
             <a:fld id="{92BEA474-078D-4E9B-9B14-09A87B19DC46}" type="datetime1">
               <a:rPr lang="en-US" smtClean="0"/>
-              <a:t>2/9/2021</a:t>
+              <a:t>2/12/2021</a:t>
             </a:fld>
             <a:endParaRPr lang="en-US" dirty="0"/>
           </a:p>
@@ -2772,7 +3132,7 @@
           <a:p>
             <a:fld id="{4907D986-8816-4272-A432-0437A28A9828}" type="datetime1">
               <a:rPr lang="en-US" smtClean="0"/>
-              <a:t>2/9/2021</a:t>
+              <a:t>2/12/2021</a:t>
             </a:fld>
             <a:endParaRPr lang="en-US" dirty="0"/>
           </a:p>
@@ -3033,7 +3393,7 @@
           <a:p>
             <a:fld id="{62D6E202-B606-4609-B914-27C9371A1F6D}" type="datetime1">
               <a:rPr lang="en-US" smtClean="0"/>
-              <a:t>2/9/2021</a:t>
+              <a:t>2/12/2021</a:t>
             </a:fld>
             <a:endParaRPr lang="en-US" dirty="0"/>
           </a:p>
@@ -4456,8 +4816,8 @@
           <a:lstStyle/>
           <a:p>
             <a:r>
-              <a:rPr lang="en-US" dirty="0"/>
-              <a:t>3 attributes</a:t>
+              <a:rPr lang="en-US" b="1" dirty="0"/>
+              <a:t>Good Response</a:t>
             </a:r>
           </a:p>
         </p:txBody>
@@ -4480,8 +4840,8 @@
         </p:nvSpPr>
         <p:spPr>
           <a:xfrm>
-            <a:off x="1097280" y="2676939"/>
-            <a:ext cx="4639736" cy="3192157"/>
+            <a:off x="1097280" y="2531165"/>
+            <a:ext cx="4639736" cy="3461672"/>
           </a:xfrm>
         </p:spPr>
         <p:txBody>
@@ -5203,8 +5563,12 @@
           <a:lstStyle/>
           <a:p>
             <a:r>
-              <a:rPr lang="en-US" dirty="0"/>
-              <a:t>2 attributes</a:t>
+              <a:rPr lang="en-US" b="1" dirty="0" err="1"/>
+              <a:t>BAd</a:t>
+            </a:r>
+            <a:r>
+              <a:rPr lang="en-US" b="1" dirty="0"/>
+              <a:t> Response</a:t>
             </a:r>
           </a:p>
         </p:txBody>
@@ -6094,7 +6458,7 @@
         </p:blipFill>
         <p:spPr bwMode="auto">
           <a:xfrm>
-            <a:off x="2093843" y="662608"/>
+            <a:off x="2133599" y="679174"/>
             <a:ext cx="7190837" cy="5552661"/>
           </a:xfrm>
           <a:prstGeom prst="rect">
@@ -6103,6 +6467,486 @@
           <a:noFill/>
         </p:spPr>
       </p:pic>
+      <p:grpSp>
+        <p:nvGrpSpPr>
+          <p:cNvPr id="46" name="Group 45">
+            <a:extLst>
+              <a:ext uri="{FF2B5EF4-FFF2-40B4-BE49-F238E27FC236}">
+                <a16:creationId xmlns:a16="http://schemas.microsoft.com/office/drawing/2014/main" id="{28A421E9-BB39-4F92-B6AA-19CC212E7555}"/>
+              </a:ext>
+            </a:extLst>
+          </p:cNvPr>
+          <p:cNvGrpSpPr/>
+          <p:nvPr/>
+        </p:nvGrpSpPr>
+        <p:grpSpPr>
+          <a:xfrm>
+            <a:off x="2489301" y="633626"/>
+            <a:ext cx="533520" cy="5478840"/>
+            <a:chOff x="2489301" y="633626"/>
+            <a:chExt cx="533520" cy="5478840"/>
+          </a:xfrm>
+        </p:grpSpPr>
+        <mc:AlternateContent xmlns:mc="http://schemas.openxmlformats.org/markup-compatibility/2006" xmlns:p14="http://schemas.microsoft.com/office/powerpoint/2010/main">
+          <mc:Choice Requires="p14">
+            <p:contentPart p14:bwMode="auto" r:id="rId3">
+              <p14:nvContentPartPr>
+                <p14:cNvPr id="33" name="Ink 32">
+                  <a:extLst>
+                    <a:ext uri="{FF2B5EF4-FFF2-40B4-BE49-F238E27FC236}">
+                      <a16:creationId xmlns:a16="http://schemas.microsoft.com/office/drawing/2014/main" id="{A8A4372A-EFAD-4465-A663-EE6511C556C8}"/>
+                    </a:ext>
+                  </a:extLst>
+                </p14:cNvPr>
+                <p14:cNvContentPartPr/>
+                <p14:nvPr/>
+              </p14:nvContentPartPr>
+              <p14:xfrm>
+                <a:off x="2489661" y="665666"/>
+                <a:ext cx="102240" cy="1685880"/>
+              </p14:xfrm>
+            </p:contentPart>
+          </mc:Choice>
+          <mc:Fallback xmlns="">
+            <p:pic>
+              <p:nvPicPr>
+                <p:cNvPr id="33" name="Ink 32">
+                  <a:extLst>
+                    <a:ext uri="{FF2B5EF4-FFF2-40B4-BE49-F238E27FC236}">
+                      <a16:creationId xmlns:a16="http://schemas.microsoft.com/office/drawing/2014/main" id="{A8A4372A-EFAD-4465-A663-EE6511C556C8}"/>
+                    </a:ext>
+                  </a:extLst>
+                </p:cNvPr>
+                <p:cNvPicPr/>
+                <p:nvPr/>
+              </p:nvPicPr>
+              <p:blipFill>
+                <a:blip r:embed="rId4"/>
+                <a:stretch>
+                  <a:fillRect/>
+                </a:stretch>
+              </p:blipFill>
+              <p:spPr>
+                <a:xfrm>
+                  <a:off x="2481021" y="656666"/>
+                  <a:ext cx="119880" cy="1703520"/>
+                </a:xfrm>
+                <a:prstGeom prst="rect">
+                  <a:avLst/>
+                </a:prstGeom>
+              </p:spPr>
+            </p:pic>
+          </mc:Fallback>
+        </mc:AlternateContent>
+        <mc:AlternateContent xmlns:mc="http://schemas.openxmlformats.org/markup-compatibility/2006" xmlns:p14="http://schemas.microsoft.com/office/powerpoint/2010/main">
+          <mc:Choice Requires="p14">
+            <p:contentPart p14:bwMode="auto" r:id="rId5">
+              <p14:nvContentPartPr>
+                <p14:cNvPr id="34" name="Ink 33">
+                  <a:extLst>
+                    <a:ext uri="{FF2B5EF4-FFF2-40B4-BE49-F238E27FC236}">
+                      <a16:creationId xmlns:a16="http://schemas.microsoft.com/office/drawing/2014/main" id="{C9319988-DF23-45A2-B1D3-9193CF0EEDAF}"/>
+                    </a:ext>
+                  </a:extLst>
+                </p14:cNvPr>
+                <p14:cNvContentPartPr/>
+                <p14:nvPr/>
+              </p14:nvContentPartPr>
+              <p14:xfrm>
+                <a:off x="2504421" y="2573306"/>
+                <a:ext cx="88200" cy="1670040"/>
+              </p14:xfrm>
+            </p:contentPart>
+          </mc:Choice>
+          <mc:Fallback xmlns="">
+            <p:pic>
+              <p:nvPicPr>
+                <p:cNvPr id="34" name="Ink 33">
+                  <a:extLst>
+                    <a:ext uri="{FF2B5EF4-FFF2-40B4-BE49-F238E27FC236}">
+                      <a16:creationId xmlns:a16="http://schemas.microsoft.com/office/drawing/2014/main" id="{C9319988-DF23-45A2-B1D3-9193CF0EEDAF}"/>
+                    </a:ext>
+                  </a:extLst>
+                </p:cNvPr>
+                <p:cNvPicPr/>
+                <p:nvPr/>
+              </p:nvPicPr>
+              <p:blipFill>
+                <a:blip r:embed="rId6"/>
+                <a:stretch>
+                  <a:fillRect/>
+                </a:stretch>
+              </p:blipFill>
+              <p:spPr>
+                <a:xfrm>
+                  <a:off x="2495781" y="2564666"/>
+                  <a:ext cx="105840" cy="1687680"/>
+                </a:xfrm>
+                <a:prstGeom prst="rect">
+                  <a:avLst/>
+                </a:prstGeom>
+              </p:spPr>
+            </p:pic>
+          </mc:Fallback>
+        </mc:AlternateContent>
+        <mc:AlternateContent xmlns:mc="http://schemas.openxmlformats.org/markup-compatibility/2006" xmlns:p14="http://schemas.microsoft.com/office/powerpoint/2010/main">
+          <mc:Choice Requires="p14">
+            <p:contentPart p14:bwMode="auto" r:id="rId7">
+              <p14:nvContentPartPr>
+                <p14:cNvPr id="36" name="Ink 35">
+                  <a:extLst>
+                    <a:ext uri="{FF2B5EF4-FFF2-40B4-BE49-F238E27FC236}">
+                      <a16:creationId xmlns:a16="http://schemas.microsoft.com/office/drawing/2014/main" id="{EB5A4123-D1AB-4279-A792-7FD33A4E39DA}"/>
+                    </a:ext>
+                  </a:extLst>
+                </p14:cNvPr>
+                <p14:cNvContentPartPr/>
+                <p14:nvPr/>
+              </p14:nvContentPartPr>
+              <p14:xfrm>
+                <a:off x="2511621" y="4428386"/>
+                <a:ext cx="57240" cy="1684080"/>
+              </p14:xfrm>
+            </p:contentPart>
+          </mc:Choice>
+          <mc:Fallback xmlns="">
+            <p:pic>
+              <p:nvPicPr>
+                <p:cNvPr id="36" name="Ink 35">
+                  <a:extLst>
+                    <a:ext uri="{FF2B5EF4-FFF2-40B4-BE49-F238E27FC236}">
+                      <a16:creationId xmlns:a16="http://schemas.microsoft.com/office/drawing/2014/main" id="{EB5A4123-D1AB-4279-A792-7FD33A4E39DA}"/>
+                    </a:ext>
+                  </a:extLst>
+                </p:cNvPr>
+                <p:cNvPicPr/>
+                <p:nvPr/>
+              </p:nvPicPr>
+              <p:blipFill>
+                <a:blip r:embed="rId8"/>
+                <a:stretch>
+                  <a:fillRect/>
+                </a:stretch>
+              </p:blipFill>
+              <p:spPr>
+                <a:xfrm>
+                  <a:off x="2502981" y="4419746"/>
+                  <a:ext cx="74880" cy="1701720"/>
+                </a:xfrm>
+                <a:prstGeom prst="rect">
+                  <a:avLst/>
+                </a:prstGeom>
+              </p:spPr>
+            </p:pic>
+          </mc:Fallback>
+        </mc:AlternateContent>
+        <mc:AlternateContent xmlns:mc="http://schemas.openxmlformats.org/markup-compatibility/2006" xmlns:p14="http://schemas.microsoft.com/office/powerpoint/2010/main">
+          <mc:Choice Requires="p14">
+            <p:contentPart p14:bwMode="auto" r:id="rId9">
+              <p14:nvContentPartPr>
+                <p14:cNvPr id="38" name="Ink 37">
+                  <a:extLst>
+                    <a:ext uri="{FF2B5EF4-FFF2-40B4-BE49-F238E27FC236}">
+                      <a16:creationId xmlns:a16="http://schemas.microsoft.com/office/drawing/2014/main" id="{6B5E518C-C0BB-4D82-94BD-28C05CD665E5}"/>
+                    </a:ext>
+                  </a:extLst>
+                </p14:cNvPr>
+                <p14:cNvContentPartPr/>
+                <p14:nvPr/>
+              </p14:nvContentPartPr>
+              <p14:xfrm>
+                <a:off x="2489301" y="633626"/>
+                <a:ext cx="440640" cy="33120"/>
+              </p14:xfrm>
+            </p:contentPart>
+          </mc:Choice>
+          <mc:Fallback xmlns="">
+            <p:pic>
+              <p:nvPicPr>
+                <p:cNvPr id="38" name="Ink 37">
+                  <a:extLst>
+                    <a:ext uri="{FF2B5EF4-FFF2-40B4-BE49-F238E27FC236}">
+                      <a16:creationId xmlns:a16="http://schemas.microsoft.com/office/drawing/2014/main" id="{6B5E518C-C0BB-4D82-94BD-28C05CD665E5}"/>
+                    </a:ext>
+                  </a:extLst>
+                </p:cNvPr>
+                <p:cNvPicPr/>
+                <p:nvPr/>
+              </p:nvPicPr>
+              <p:blipFill>
+                <a:blip r:embed="rId10"/>
+                <a:stretch>
+                  <a:fillRect/>
+                </a:stretch>
+              </p:blipFill>
+              <p:spPr>
+                <a:xfrm>
+                  <a:off x="2480661" y="624986"/>
+                  <a:ext cx="458280" cy="50760"/>
+                </a:xfrm>
+                <a:prstGeom prst="rect">
+                  <a:avLst/>
+                </a:prstGeom>
+              </p:spPr>
+            </p:pic>
+          </mc:Fallback>
+        </mc:AlternateContent>
+        <mc:AlternateContent xmlns:mc="http://schemas.openxmlformats.org/markup-compatibility/2006" xmlns:p14="http://schemas.microsoft.com/office/powerpoint/2010/main">
+          <mc:Choice Requires="p14">
+            <p:contentPart p14:bwMode="auto" r:id="rId11">
+              <p14:nvContentPartPr>
+                <p14:cNvPr id="39" name="Ink 38">
+                  <a:extLst>
+                    <a:ext uri="{FF2B5EF4-FFF2-40B4-BE49-F238E27FC236}">
+                      <a16:creationId xmlns:a16="http://schemas.microsoft.com/office/drawing/2014/main" id="{3CF916DA-5BFC-410C-8F77-693B9B6471A5}"/>
+                    </a:ext>
+                  </a:extLst>
+                </p14:cNvPr>
+                <p14:cNvContentPartPr/>
+                <p14:nvPr/>
+              </p14:nvContentPartPr>
+              <p14:xfrm>
+                <a:off x="2605221" y="2325986"/>
+                <a:ext cx="417600" cy="49680"/>
+              </p14:xfrm>
+            </p:contentPart>
+          </mc:Choice>
+          <mc:Fallback xmlns="">
+            <p:pic>
+              <p:nvPicPr>
+                <p:cNvPr id="39" name="Ink 38">
+                  <a:extLst>
+                    <a:ext uri="{FF2B5EF4-FFF2-40B4-BE49-F238E27FC236}">
+                      <a16:creationId xmlns:a16="http://schemas.microsoft.com/office/drawing/2014/main" id="{3CF916DA-5BFC-410C-8F77-693B9B6471A5}"/>
+                    </a:ext>
+                  </a:extLst>
+                </p:cNvPr>
+                <p:cNvPicPr/>
+                <p:nvPr/>
+              </p:nvPicPr>
+              <p:blipFill>
+                <a:blip r:embed="rId12"/>
+                <a:stretch>
+                  <a:fillRect/>
+                </a:stretch>
+              </p:blipFill>
+              <p:spPr>
+                <a:xfrm>
+                  <a:off x="2596581" y="2316986"/>
+                  <a:ext cx="435240" cy="67320"/>
+                </a:xfrm>
+                <a:prstGeom prst="rect">
+                  <a:avLst/>
+                </a:prstGeom>
+              </p:spPr>
+            </p:pic>
+          </mc:Fallback>
+        </mc:AlternateContent>
+        <mc:AlternateContent xmlns:mc="http://schemas.openxmlformats.org/markup-compatibility/2006" xmlns:p14="http://schemas.microsoft.com/office/powerpoint/2010/main">
+          <mc:Choice Requires="p14">
+            <p:contentPart p14:bwMode="auto" r:id="rId13">
+              <p14:nvContentPartPr>
+                <p14:cNvPr id="41" name="Ink 40">
+                  <a:extLst>
+                    <a:ext uri="{FF2B5EF4-FFF2-40B4-BE49-F238E27FC236}">
+                      <a16:creationId xmlns:a16="http://schemas.microsoft.com/office/drawing/2014/main" id="{C0D4E7D6-6A89-482B-9ACC-3D6E5DA7A65C}"/>
+                    </a:ext>
+                  </a:extLst>
+                </p14:cNvPr>
+                <p14:cNvContentPartPr/>
+                <p14:nvPr/>
+              </p14:nvContentPartPr>
+              <p14:xfrm>
+                <a:off x="2519901" y="2471066"/>
+                <a:ext cx="464760" cy="97920"/>
+              </p14:xfrm>
+            </p:contentPart>
+          </mc:Choice>
+          <mc:Fallback xmlns="">
+            <p:pic>
+              <p:nvPicPr>
+                <p:cNvPr id="41" name="Ink 40">
+                  <a:extLst>
+                    <a:ext uri="{FF2B5EF4-FFF2-40B4-BE49-F238E27FC236}">
+                      <a16:creationId xmlns:a16="http://schemas.microsoft.com/office/drawing/2014/main" id="{C0D4E7D6-6A89-482B-9ACC-3D6E5DA7A65C}"/>
+                    </a:ext>
+                  </a:extLst>
+                </p:cNvPr>
+                <p:cNvPicPr/>
+                <p:nvPr/>
+              </p:nvPicPr>
+              <p:blipFill>
+                <a:blip r:embed="rId14"/>
+                <a:stretch>
+                  <a:fillRect/>
+                </a:stretch>
+              </p:blipFill>
+              <p:spPr>
+                <a:xfrm>
+                  <a:off x="2510901" y="2462426"/>
+                  <a:ext cx="482400" cy="115560"/>
+                </a:xfrm>
+                <a:prstGeom prst="rect">
+                  <a:avLst/>
+                </a:prstGeom>
+              </p:spPr>
+            </p:pic>
+          </mc:Fallback>
+        </mc:AlternateContent>
+        <mc:AlternateContent xmlns:mc="http://schemas.openxmlformats.org/markup-compatibility/2006" xmlns:p14="http://schemas.microsoft.com/office/powerpoint/2010/main">
+          <mc:Choice Requires="p14">
+            <p:contentPart p14:bwMode="auto" r:id="rId15">
+              <p14:nvContentPartPr>
+                <p14:cNvPr id="43" name="Ink 42">
+                  <a:extLst>
+                    <a:ext uri="{FF2B5EF4-FFF2-40B4-BE49-F238E27FC236}">
+                      <a16:creationId xmlns:a16="http://schemas.microsoft.com/office/drawing/2014/main" id="{DA39DC1B-7268-4A0A-A8E1-85D1366DDDF4}"/>
+                    </a:ext>
+                  </a:extLst>
+                </p14:cNvPr>
+                <p14:cNvContentPartPr/>
+                <p14:nvPr/>
+              </p14:nvContentPartPr>
+              <p14:xfrm>
+                <a:off x="2594781" y="4167386"/>
+                <a:ext cx="383760" cy="90720"/>
+              </p14:xfrm>
+            </p:contentPart>
+          </mc:Choice>
+          <mc:Fallback xmlns="">
+            <p:pic>
+              <p:nvPicPr>
+                <p:cNvPr id="43" name="Ink 42">
+                  <a:extLst>
+                    <a:ext uri="{FF2B5EF4-FFF2-40B4-BE49-F238E27FC236}">
+                      <a16:creationId xmlns:a16="http://schemas.microsoft.com/office/drawing/2014/main" id="{DA39DC1B-7268-4A0A-A8E1-85D1366DDDF4}"/>
+                    </a:ext>
+                  </a:extLst>
+                </p:cNvPr>
+                <p:cNvPicPr/>
+                <p:nvPr/>
+              </p:nvPicPr>
+              <p:blipFill>
+                <a:blip r:embed="rId16"/>
+                <a:stretch>
+                  <a:fillRect/>
+                </a:stretch>
+              </p:blipFill>
+              <p:spPr>
+                <a:xfrm>
+                  <a:off x="2586141" y="4158746"/>
+                  <a:ext cx="401400" cy="108360"/>
+                </a:xfrm>
+                <a:prstGeom prst="rect">
+                  <a:avLst/>
+                </a:prstGeom>
+              </p:spPr>
+            </p:pic>
+          </mc:Fallback>
+        </mc:AlternateContent>
+        <mc:AlternateContent xmlns:mc="http://schemas.openxmlformats.org/markup-compatibility/2006" xmlns:p14="http://schemas.microsoft.com/office/powerpoint/2010/main">
+          <mc:Choice Requires="p14">
+            <p:contentPart p14:bwMode="auto" r:id="rId17">
+              <p14:nvContentPartPr>
+                <p14:cNvPr id="45" name="Ink 44">
+                  <a:extLst>
+                    <a:ext uri="{FF2B5EF4-FFF2-40B4-BE49-F238E27FC236}">
+                      <a16:creationId xmlns:a16="http://schemas.microsoft.com/office/drawing/2014/main" id="{D6E8C63A-BCF4-4C53-82FF-0B20422D26B5}"/>
+                    </a:ext>
+                  </a:extLst>
+                </p14:cNvPr>
+                <p14:cNvContentPartPr/>
+                <p14:nvPr/>
+              </p14:nvContentPartPr>
+              <p14:xfrm>
+                <a:off x="2502981" y="4357466"/>
+                <a:ext cx="513360" cy="65520"/>
+              </p14:xfrm>
+            </p:contentPart>
+          </mc:Choice>
+          <mc:Fallback xmlns="">
+            <p:pic>
+              <p:nvPicPr>
+                <p:cNvPr id="45" name="Ink 44">
+                  <a:extLst>
+                    <a:ext uri="{FF2B5EF4-FFF2-40B4-BE49-F238E27FC236}">
+                      <a16:creationId xmlns:a16="http://schemas.microsoft.com/office/drawing/2014/main" id="{D6E8C63A-BCF4-4C53-82FF-0B20422D26B5}"/>
+                    </a:ext>
+                  </a:extLst>
+                </p:cNvPr>
+                <p:cNvPicPr/>
+                <p:nvPr/>
+              </p:nvPicPr>
+              <p:blipFill>
+                <a:blip r:embed="rId18"/>
+                <a:stretch>
+                  <a:fillRect/>
+                </a:stretch>
+              </p:blipFill>
+              <p:spPr>
+                <a:xfrm>
+                  <a:off x="2494341" y="4348826"/>
+                  <a:ext cx="531000" cy="83160"/>
+                </a:xfrm>
+                <a:prstGeom prst="rect">
+                  <a:avLst/>
+                </a:prstGeom>
+              </p:spPr>
+            </p:pic>
+          </mc:Fallback>
+        </mc:AlternateContent>
+      </p:grpSp>
+      <mc:AlternateContent xmlns:mc="http://schemas.openxmlformats.org/markup-compatibility/2006" xmlns:p14="http://schemas.microsoft.com/office/powerpoint/2010/main">
+        <mc:Choice Requires="p14">
+          <p:contentPart p14:bwMode="auto" r:id="rId19">
+            <p14:nvContentPartPr>
+              <p14:cNvPr id="47" name="Ink 46">
+                <a:extLst>
+                  <a:ext uri="{FF2B5EF4-FFF2-40B4-BE49-F238E27FC236}">
+                    <a16:creationId xmlns:a16="http://schemas.microsoft.com/office/drawing/2014/main" id="{6A83484E-CC1B-416A-B89F-5587FF765D4F}"/>
+                  </a:ext>
+                </a:extLst>
+              </p14:cNvPr>
+              <p14:cNvContentPartPr/>
+              <p14:nvPr/>
+            </p14:nvContentPartPr>
+            <p14:xfrm>
+              <a:off x="2526741" y="6039746"/>
+              <a:ext cx="500400" cy="45000"/>
+            </p14:xfrm>
+          </p:contentPart>
+        </mc:Choice>
+        <mc:Fallback xmlns="">
+          <p:pic>
+            <p:nvPicPr>
+              <p:cNvPr id="47" name="Ink 46">
+                <a:extLst>
+                  <a:ext uri="{FF2B5EF4-FFF2-40B4-BE49-F238E27FC236}">
+                    <a16:creationId xmlns:a16="http://schemas.microsoft.com/office/drawing/2014/main" id="{6A83484E-CC1B-416A-B89F-5587FF765D4F}"/>
+                  </a:ext>
+                </a:extLst>
+              </p:cNvPr>
+              <p:cNvPicPr/>
+              <p:nvPr/>
+            </p:nvPicPr>
+            <p:blipFill>
+              <a:blip r:embed="rId20"/>
+              <a:stretch>
+                <a:fillRect/>
+              </a:stretch>
+            </p:blipFill>
+            <p:spPr>
+              <a:xfrm>
+                <a:off x="2517741" y="6031106"/>
+                <a:ext cx="518040" cy="62640"/>
+              </a:xfrm>
+              <a:prstGeom prst="rect">
+                <a:avLst/>
+              </a:prstGeom>
+            </p:spPr>
+          </p:pic>
+        </mc:Fallback>
+      </mc:AlternateContent>
     </p:spTree>
     <p:extLst>
       <p:ext uri="{BB962C8B-B14F-4D97-AF65-F5344CB8AC3E}">
@@ -8352,21 +9196,21 @@
 </file>
 
 <file path=customXml/item2.xml><?xml version="1.0" encoding="utf-8"?>
+<p:properties xmlns:p="http://schemas.microsoft.com/office/2006/metadata/properties" xmlns:xsi="http://www.w3.org/2001/XMLSchema-instance" xmlns:pc="http://schemas.microsoft.com/office/infopath/2007/PartnerControls">
+  <documentManagement>
+    <Status xmlns="71af3243-3dd4-4a8d-8c0d-dd76da1f02a5">Not started</Status>
+    <MediaServiceKeyPoints xmlns="71af3243-3dd4-4a8d-8c0d-dd76da1f02a5" xsi:nil="true"/>
+  </documentManagement>
+</p:properties>
+</file>
+
+<file path=customXml/item3.xml><?xml version="1.0" encoding="utf-8"?>
 <?mso-contentType ?>
 <FormTemplates xmlns="http://schemas.microsoft.com/sharepoint/v3/contenttype/forms">
   <Display>DocumentLibraryForm</Display>
   <Edit>DocumentLibraryForm</Edit>
   <New>DocumentLibraryForm</New>
 </FormTemplates>
-</file>
-
-<file path=customXml/item3.xml><?xml version="1.0" encoding="utf-8"?>
-<p:properties xmlns:p="http://schemas.microsoft.com/office/2006/metadata/properties" xmlns:xsi="http://www.w3.org/2001/XMLSchema-instance" xmlns:pc="http://schemas.microsoft.com/office/infopath/2007/PartnerControls">
-  <documentManagement>
-    <Status xmlns="71af3243-3dd4-4a8d-8c0d-dd76da1f02a5">Not started</Status>
-    <MediaServiceKeyPoints xmlns="71af3243-3dd4-4a8d-8c0d-dd76da1f02a5" xsi:nil="true"/>
-  </documentManagement>
-</p:properties>
 </file>
 
 <file path=customXml/itemProps1.xml><?xml version="1.0" encoding="utf-8"?>
@@ -8389,14 +9233,6 @@
 </file>
 
 <file path=customXml/itemProps2.xml><?xml version="1.0" encoding="utf-8"?>
-<ds:datastoreItem xmlns:ds="http://schemas.openxmlformats.org/officeDocument/2006/customXml" ds:itemID="{31F006B4-A9E1-4F39-85C8-FB836F919348}">
-  <ds:schemaRefs>
-    <ds:schemaRef ds:uri="http://schemas.microsoft.com/sharepoint/v3/contenttype/forms"/>
-  </ds:schemaRefs>
-</ds:datastoreItem>
-</file>
-
-<file path=customXml/itemProps3.xml><?xml version="1.0" encoding="utf-8"?>
 <ds:datastoreItem xmlns:ds="http://schemas.openxmlformats.org/officeDocument/2006/customXml" ds:itemID="{8F3CD65D-61A5-43C9-A837-6EC73C7DA8AB}">
   <ds:schemaRefs>
     <ds:schemaRef ds:uri="http://schemas.microsoft.com/office/2006/metadata/properties"/>
@@ -8404,4 +9240,12 @@
     <ds:schemaRef ds:uri="71af3243-3dd4-4a8d-8c0d-dd76da1f02a5"/>
   </ds:schemaRefs>
 </ds:datastoreItem>
+</file>
+
+<file path=customXml/itemProps3.xml><?xml version="1.0" encoding="utf-8"?>
+<ds:datastoreItem xmlns:ds="http://schemas.openxmlformats.org/officeDocument/2006/customXml" ds:itemID="{31F006B4-A9E1-4F39-85C8-FB836F919348}">
+  <ds:schemaRefs>
+    <ds:schemaRef ds:uri="http://schemas.microsoft.com/sharepoint/v3/contenttype/forms"/>
+  </ds:schemaRefs>
+</ds:datastoreItem>
 </file>